--- a/уп.pptx
+++ b/уп.pptx
@@ -9,9 +9,13 @@
     <p:sldId id="257" r:id="rId3"/>
     <p:sldId id="258" r:id="rId4"/>
     <p:sldId id="259" r:id="rId5"/>
-    <p:sldId id="260" r:id="rId6"/>
-    <p:sldId id="261" r:id="rId7"/>
-    <p:sldId id="262" r:id="rId8"/>
+    <p:sldId id="263" r:id="rId6"/>
+    <p:sldId id="264" r:id="rId7"/>
+    <p:sldId id="265" r:id="rId8"/>
+    <p:sldId id="266" r:id="rId9"/>
+    <p:sldId id="260" r:id="rId10"/>
+    <p:sldId id="261" r:id="rId11"/>
+    <p:sldId id="262" r:id="rId12"/>
   </p:sldIdLst>
   <p:sldSz cx="9144000" cy="6858000" type="screen4x3"/>
   <p:notesSz cx="6858000" cy="9144000"/>
@@ -295,7 +299,7 @@
             <a:fld id="{5B106E36-FD25-4E2D-B0AA-010F637433A0}" type="datetimeFigureOut">
               <a:rPr lang="ru-RU" smtClean="0"/>
               <a:pPr/>
-              <a:t>10.06.2025</a:t>
+              <a:t>16.06.2025</a:t>
             </a:fld>
             <a:endParaRPr lang="ru-RU"/>
           </a:p>
@@ -462,7 +466,7 @@
             <a:fld id="{5B106E36-FD25-4E2D-B0AA-010F637433A0}" type="datetimeFigureOut">
               <a:rPr lang="ru-RU" smtClean="0"/>
               <a:pPr/>
-              <a:t>10.06.2025</a:t>
+              <a:t>16.06.2025</a:t>
             </a:fld>
             <a:endParaRPr lang="ru-RU"/>
           </a:p>
@@ -639,7 +643,7 @@
             <a:fld id="{5B106E36-FD25-4E2D-B0AA-010F637433A0}" type="datetimeFigureOut">
               <a:rPr lang="ru-RU" smtClean="0"/>
               <a:pPr/>
-              <a:t>10.06.2025</a:t>
+              <a:t>16.06.2025</a:t>
             </a:fld>
             <a:endParaRPr lang="ru-RU"/>
           </a:p>
@@ -806,7 +810,7 @@
             <a:fld id="{5B106E36-FD25-4E2D-B0AA-010F637433A0}" type="datetimeFigureOut">
               <a:rPr lang="ru-RU" smtClean="0"/>
               <a:pPr/>
-              <a:t>10.06.2025</a:t>
+              <a:t>16.06.2025</a:t>
             </a:fld>
             <a:endParaRPr lang="ru-RU"/>
           </a:p>
@@ -1049,7 +1053,7 @@
             <a:fld id="{5B106E36-FD25-4E2D-B0AA-010F637433A0}" type="datetimeFigureOut">
               <a:rPr lang="ru-RU" smtClean="0"/>
               <a:pPr/>
-              <a:t>10.06.2025</a:t>
+              <a:t>16.06.2025</a:t>
             </a:fld>
             <a:endParaRPr lang="ru-RU"/>
           </a:p>
@@ -1334,7 +1338,7 @@
             <a:fld id="{5B106E36-FD25-4E2D-B0AA-010F637433A0}" type="datetimeFigureOut">
               <a:rPr lang="ru-RU" smtClean="0"/>
               <a:pPr/>
-              <a:t>10.06.2025</a:t>
+              <a:t>16.06.2025</a:t>
             </a:fld>
             <a:endParaRPr lang="ru-RU"/>
           </a:p>
@@ -1753,7 +1757,7 @@
             <a:fld id="{5B106E36-FD25-4E2D-B0AA-010F637433A0}" type="datetimeFigureOut">
               <a:rPr lang="ru-RU" smtClean="0"/>
               <a:pPr/>
-              <a:t>10.06.2025</a:t>
+              <a:t>16.06.2025</a:t>
             </a:fld>
             <a:endParaRPr lang="ru-RU"/>
           </a:p>
@@ -1868,7 +1872,7 @@
             <a:fld id="{5B106E36-FD25-4E2D-B0AA-010F637433A0}" type="datetimeFigureOut">
               <a:rPr lang="ru-RU" smtClean="0"/>
               <a:pPr/>
-              <a:t>10.06.2025</a:t>
+              <a:t>16.06.2025</a:t>
             </a:fld>
             <a:endParaRPr lang="ru-RU"/>
           </a:p>
@@ -1960,7 +1964,7 @@
             <a:fld id="{5B106E36-FD25-4E2D-B0AA-010F637433A0}" type="datetimeFigureOut">
               <a:rPr lang="ru-RU" smtClean="0"/>
               <a:pPr/>
-              <a:t>10.06.2025</a:t>
+              <a:t>16.06.2025</a:t>
             </a:fld>
             <a:endParaRPr lang="ru-RU"/>
           </a:p>
@@ -2234,7 +2238,7 @@
             <a:fld id="{5B106E36-FD25-4E2D-B0AA-010F637433A0}" type="datetimeFigureOut">
               <a:rPr lang="ru-RU" smtClean="0"/>
               <a:pPr/>
-              <a:t>10.06.2025</a:t>
+              <a:t>16.06.2025</a:t>
             </a:fld>
             <a:endParaRPr lang="ru-RU"/>
           </a:p>
@@ -2484,7 +2488,7 @@
             <a:fld id="{5B106E36-FD25-4E2D-B0AA-010F637433A0}" type="datetimeFigureOut">
               <a:rPr lang="ru-RU" smtClean="0"/>
               <a:pPr/>
-              <a:t>10.06.2025</a:t>
+              <a:t>16.06.2025</a:t>
             </a:fld>
             <a:endParaRPr lang="ru-RU"/>
           </a:p>
@@ -2694,7 +2698,7 @@
             <a:fld id="{5B106E36-FD25-4E2D-B0AA-010F637433A0}" type="datetimeFigureOut">
               <a:rPr lang="ru-RU" smtClean="0"/>
               <a:pPr/>
-              <a:t>10.06.2025</a:t>
+              <a:t>16.06.2025</a:t>
             </a:fld>
             <a:endParaRPr lang="ru-RU"/>
           </a:p>
@@ -3143,6 +3147,225 @@
 </p:sld>
 </file>
 
+<file path=ppt/slides/slide10.xml><?xml version="1.0" encoding="utf-8"?>
+<p:sld xmlns:a="http://schemas.openxmlformats.org/drawingml/2006/main" xmlns:r="http://schemas.openxmlformats.org/officeDocument/2006/relationships" xmlns:p="http://schemas.openxmlformats.org/presentationml/2006/main">
+  <p:cSld>
+    <p:spTree>
+      <p:nvGrpSpPr>
+        <p:cNvPr id="1" name=""/>
+        <p:cNvGrpSpPr/>
+        <p:nvPr/>
+      </p:nvGrpSpPr>
+      <p:grpSpPr>
+        <a:xfrm>
+          <a:off x="0" y="0"/>
+          <a:ext cx="0" cy="0"/>
+          <a:chOff x="0" y="0"/>
+          <a:chExt cx="0" cy="0"/>
+        </a:xfrm>
+      </p:grpSpPr>
+      <p:sp>
+        <p:nvSpPr>
+          <p:cNvPr id="2" name="Заголовок 1"/>
+          <p:cNvSpPr>
+            <a:spLocks noGrp="1"/>
+          </p:cNvSpPr>
+          <p:nvPr>
+            <p:ph type="title"/>
+          </p:nvPr>
+        </p:nvSpPr>
+        <p:spPr>
+          <a:xfrm>
+            <a:off x="467544" y="260648"/>
+            <a:ext cx="8229600" cy="1143000"/>
+          </a:xfrm>
+        </p:spPr>
+        <p:txBody>
+          <a:bodyPr/>
+          <a:lstStyle/>
+          <a:p>
+            <a:r>
+              <a:rPr lang="ru-RU" dirty="0" smtClean="0"/>
+              <a:t>Вывод по работе</a:t>
+            </a:r>
+            <a:endParaRPr lang="ru-RU" dirty="0"/>
+          </a:p>
+        </p:txBody>
+      </p:sp>
+      <p:sp>
+        <p:nvSpPr>
+          <p:cNvPr id="3" name="Содержимое 2"/>
+          <p:cNvSpPr>
+            <a:spLocks noGrp="1"/>
+          </p:cNvSpPr>
+          <p:nvPr>
+            <p:ph idx="1"/>
+          </p:nvPr>
+        </p:nvSpPr>
+        <p:spPr>
+          <a:xfrm>
+            <a:off x="457200" y="1600200"/>
+            <a:ext cx="4690864" cy="4709120"/>
+          </a:xfrm>
+        </p:spPr>
+        <p:txBody>
+          <a:bodyPr/>
+          <a:lstStyle/>
+          <a:p>
+            <a:pPr>
+              <a:buNone/>
+            </a:pPr>
+            <a:r>
+              <a:rPr lang="ru-RU" dirty="0" smtClean="0"/>
+              <a:t>	</a:t>
+            </a:r>
+            <a:r>
+              <a:rPr lang="ru-RU" dirty="0" smtClean="0"/>
+              <a:t>Я создал приложение для отслеживание посещаемости студентов, который может просматривать как и зав. отделения так и староста.</a:t>
+            </a:r>
+            <a:endParaRPr lang="ru-RU" dirty="0"/>
+          </a:p>
+        </p:txBody>
+      </p:sp>
+      <p:pic>
+        <p:nvPicPr>
+          <p:cNvPr id="8194" name="Picture 2" descr="Picture background"/>
+          <p:cNvPicPr>
+            <a:picLocks noChangeAspect="1" noChangeArrowheads="1"/>
+          </p:cNvPicPr>
+          <p:nvPr/>
+        </p:nvPicPr>
+        <p:blipFill>
+          <a:blip r:embed="rId2" cstate="print"/>
+          <a:srcRect/>
+          <a:stretch>
+            <a:fillRect/>
+          </a:stretch>
+        </p:blipFill>
+        <p:spPr bwMode="auto">
+          <a:xfrm>
+            <a:off x="5292080" y="1844824"/>
+            <a:ext cx="3240360" cy="3195736"/>
+          </a:xfrm>
+          <a:prstGeom prst="rect">
+            <a:avLst/>
+          </a:prstGeom>
+          <a:noFill/>
+        </p:spPr>
+      </p:pic>
+    </p:spTree>
+  </p:cSld>
+  <p:clrMapOvr>
+    <a:masterClrMapping/>
+  </p:clrMapOvr>
+</p:sld>
+</file>
+
+<file path=ppt/slides/slide11.xml><?xml version="1.0" encoding="utf-8"?>
+<p:sld xmlns:a="http://schemas.openxmlformats.org/drawingml/2006/main" xmlns:r="http://schemas.openxmlformats.org/officeDocument/2006/relationships" xmlns:p="http://schemas.openxmlformats.org/presentationml/2006/main">
+  <p:cSld>
+    <p:spTree>
+      <p:nvGrpSpPr>
+        <p:cNvPr id="1" name=""/>
+        <p:cNvGrpSpPr/>
+        <p:nvPr/>
+      </p:nvGrpSpPr>
+      <p:grpSpPr>
+        <a:xfrm>
+          <a:off x="0" y="0"/>
+          <a:ext cx="0" cy="0"/>
+          <a:chOff x="0" y="0"/>
+          <a:chExt cx="0" cy="0"/>
+        </a:xfrm>
+      </p:grpSpPr>
+      <p:sp>
+        <p:nvSpPr>
+          <p:cNvPr id="2" name="Заголовок 1"/>
+          <p:cNvSpPr>
+            <a:spLocks noGrp="1"/>
+          </p:cNvSpPr>
+          <p:nvPr>
+            <p:ph type="title"/>
+          </p:nvPr>
+        </p:nvSpPr>
+        <p:spPr/>
+        <p:txBody>
+          <a:bodyPr>
+            <a:normAutofit fontScale="90000"/>
+          </a:bodyPr>
+          <a:lstStyle/>
+          <a:p>
+            <a:r>
+              <a:rPr lang="ru-RU" dirty="0" err="1" smtClean="0"/>
+              <a:t>Мем</a:t>
+            </a:r>
+            <a:r>
+              <a:rPr lang="ru-RU" dirty="0" smtClean="0"/>
+              <a:t> ну это надо для лучшей </a:t>
+            </a:r>
+            <a:r>
+              <a:rPr lang="ru-RU" dirty="0" err="1" smtClean="0"/>
+              <a:t>оценочки</a:t>
+            </a:r>
+            <a:r>
+              <a:rPr lang="ru-RU" dirty="0" smtClean="0"/>
+              <a:t> </a:t>
+            </a:r>
+            <a:endParaRPr lang="ru-RU" dirty="0"/>
+          </a:p>
+        </p:txBody>
+      </p:sp>
+      <p:sp>
+        <p:nvSpPr>
+          <p:cNvPr id="3" name="Содержимое 2"/>
+          <p:cNvSpPr>
+            <a:spLocks noGrp="1"/>
+          </p:cNvSpPr>
+          <p:nvPr>
+            <p:ph idx="1"/>
+          </p:nvPr>
+        </p:nvSpPr>
+        <p:spPr/>
+        <p:txBody>
+          <a:bodyPr/>
+          <a:lstStyle/>
+          <a:p>
+            <a:pPr>
+              <a:buNone/>
+            </a:pPr>
+            <a:r>
+              <a:rPr lang="ru-RU" dirty="0" smtClean="0"/>
+              <a:t>	Жизнь без </a:t>
+            </a:r>
+            <a:r>
+              <a:rPr lang="ru-RU" dirty="0" err="1" smtClean="0"/>
+              <a:t>мемов</a:t>
+            </a:r>
+            <a:r>
+              <a:rPr lang="ru-RU" dirty="0" smtClean="0"/>
+              <a:t> это </a:t>
+            </a:r>
+            <a:r>
+              <a:rPr lang="ru-RU" smtClean="0"/>
+              <a:t>не жизнь </a:t>
+            </a:r>
+          </a:p>
+          <a:p>
+            <a:pPr>
+              <a:buNone/>
+            </a:pPr>
+            <a:endParaRPr lang="ru-RU"/>
+          </a:p>
+        </p:txBody>
+      </p:sp>
+    </p:spTree>
+  </p:cSld>
+  <p:clrMapOvr>
+    <a:masterClrMapping/>
+  </p:clrMapOvr>
+</p:sld>
+</file>
+
 <file path=ppt/slides/slide2.xml><?xml version="1.0" encoding="utf-8"?>
 <p:sld xmlns:a="http://schemas.openxmlformats.org/drawingml/2006/main" xmlns:r="http://schemas.openxmlformats.org/officeDocument/2006/relationships" xmlns:p="http://schemas.openxmlformats.org/presentationml/2006/main">
   <p:cSld>
@@ -3295,6 +3518,267 @@
           </a:p>
         </p:txBody>
       </p:sp>
+      <p:pic>
+        <p:nvPicPr>
+          <p:cNvPr id="4" name="Рисунок 3"/>
+          <p:cNvPicPr/>
+          <p:nvPr/>
+        </p:nvPicPr>
+        <p:blipFill>
+          <a:blip r:embed="rId2" cstate="print"/>
+          <a:stretch>
+            <a:fillRect/>
+          </a:stretch>
+        </p:blipFill>
+        <p:spPr>
+          <a:xfrm>
+            <a:off x="467544" y="2348880"/>
+            <a:ext cx="3888432" cy="3312368"/>
+          </a:xfrm>
+          <a:prstGeom prst="rect">
+            <a:avLst/>
+          </a:prstGeom>
+        </p:spPr>
+      </p:pic>
+      <p:sp>
+        <p:nvSpPr>
+          <p:cNvPr id="5" name="Заголовок 1"/>
+          <p:cNvSpPr txBox="1">
+            <a:spLocks/>
+          </p:cNvSpPr>
+          <p:nvPr/>
+        </p:nvSpPr>
+        <p:spPr>
+          <a:xfrm>
+            <a:off x="395536" y="1628800"/>
+            <a:ext cx="3960440" cy="710952"/>
+          </a:xfrm>
+          <a:prstGeom prst="rect">
+            <a:avLst/>
+          </a:prstGeom>
+        </p:spPr>
+        <p:txBody>
+          <a:bodyPr vert="horz" lIns="91440" tIns="45720" rIns="91440" bIns="45720" rtlCol="0" anchor="ctr">
+            <a:normAutofit fontScale="77500" lnSpcReduction="20000"/>
+          </a:bodyPr>
+          <a:lstStyle/>
+          <a:p>
+            <a:pPr marL="0" marR="0" lvl="0" indent="0" algn="ctr" defTabSz="914400" rtl="0" eaLnBrk="1" fontAlgn="auto" latinLnBrk="0" hangingPunct="1">
+              <a:lnSpc>
+                <a:spcPct val="100000"/>
+              </a:lnSpc>
+              <a:spcBef>
+                <a:spcPct val="0"/>
+              </a:spcBef>
+              <a:spcAft>
+                <a:spcPts val="0"/>
+              </a:spcAft>
+              <a:buClrTx/>
+              <a:buSzTx/>
+              <a:buFontTx/>
+              <a:buNone/>
+              <a:tabLst/>
+              <a:defRPr/>
+            </a:pPr>
+            <a:r>
+              <a:rPr kumimoji="0" lang="ru-RU" sz="4400" b="0" i="0" u="none" strike="noStrike" kern="1200" cap="none" spc="0" normalizeH="0" baseline="0" noProof="0" dirty="0" smtClean="0">
+                <a:ln>
+                  <a:noFill/>
+                </a:ln>
+                <a:solidFill>
+                  <a:schemeClr val="tx1"/>
+                </a:solidFill>
+                <a:effectLst/>
+                <a:uLnTx/>
+                <a:uFillTx/>
+                <a:latin typeface="+mj-lt"/>
+                <a:ea typeface="+mj-ea"/>
+                <a:cs typeface="+mj-cs"/>
+              </a:rPr>
+              <a:t>Диаграмма</a:t>
+            </a:r>
+            <a:r>
+              <a:rPr kumimoji="0" lang="ru-RU" sz="4400" b="0" i="0" u="none" strike="noStrike" kern="1200" cap="none" spc="0" normalizeH="0" noProof="0" dirty="0" smtClean="0">
+                <a:ln>
+                  <a:noFill/>
+                </a:ln>
+                <a:solidFill>
+                  <a:schemeClr val="tx1"/>
+                </a:solidFill>
+                <a:effectLst/>
+                <a:uLnTx/>
+                <a:uFillTx/>
+                <a:latin typeface="+mj-lt"/>
+                <a:ea typeface="+mj-ea"/>
+                <a:cs typeface="+mj-cs"/>
+              </a:rPr>
+              <a:t> </a:t>
+            </a:r>
+            <a:r>
+              <a:rPr kumimoji="0" lang="en-US" sz="4400" b="0" i="0" u="none" strike="noStrike" kern="1200" cap="none" spc="0" normalizeH="0" baseline="0" noProof="0" dirty="0" smtClean="0">
+                <a:ln>
+                  <a:noFill/>
+                </a:ln>
+                <a:solidFill>
+                  <a:schemeClr val="tx1"/>
+                </a:solidFill>
+                <a:effectLst/>
+                <a:uLnTx/>
+                <a:uFillTx/>
+                <a:latin typeface="+mj-lt"/>
+                <a:ea typeface="+mj-ea"/>
+                <a:cs typeface="+mj-cs"/>
+              </a:rPr>
+              <a:t>use-case</a:t>
+            </a:r>
+            <a:endParaRPr kumimoji="0" lang="ru-RU" sz="4400" b="0" i="0" u="none" strike="noStrike" kern="1200" cap="none" spc="0" normalizeH="0" baseline="0" noProof="0" dirty="0">
+              <a:ln>
+                <a:noFill/>
+              </a:ln>
+              <a:solidFill>
+                <a:schemeClr val="tx1"/>
+              </a:solidFill>
+              <a:effectLst/>
+              <a:uLnTx/>
+              <a:uFillTx/>
+              <a:latin typeface="+mj-lt"/>
+              <a:ea typeface="+mj-ea"/>
+              <a:cs typeface="+mj-cs"/>
+            </a:endParaRPr>
+          </a:p>
+        </p:txBody>
+      </p:sp>
+      <p:sp>
+        <p:nvSpPr>
+          <p:cNvPr id="6" name="Заголовок 1"/>
+          <p:cNvSpPr txBox="1">
+            <a:spLocks/>
+          </p:cNvSpPr>
+          <p:nvPr/>
+        </p:nvSpPr>
+        <p:spPr>
+          <a:xfrm>
+            <a:off x="4499992" y="1556792"/>
+            <a:ext cx="3960440" cy="710952"/>
+          </a:xfrm>
+          <a:prstGeom prst="rect">
+            <a:avLst/>
+          </a:prstGeom>
+        </p:spPr>
+        <p:txBody>
+          <a:bodyPr vert="horz" lIns="91440" tIns="45720" rIns="91440" bIns="45720" rtlCol="0" anchor="ctr">
+            <a:normAutofit/>
+          </a:bodyPr>
+          <a:lstStyle/>
+          <a:p>
+            <a:pPr marL="0" marR="0" lvl="0" indent="0" algn="ctr" defTabSz="914400" rtl="0" eaLnBrk="1" fontAlgn="auto" latinLnBrk="0" hangingPunct="1">
+              <a:lnSpc>
+                <a:spcPct val="100000"/>
+              </a:lnSpc>
+              <a:spcBef>
+                <a:spcPct val="0"/>
+              </a:spcBef>
+              <a:spcAft>
+                <a:spcPts val="0"/>
+              </a:spcAft>
+              <a:buClrTx/>
+              <a:buSzTx/>
+              <a:buFontTx/>
+              <a:buNone/>
+              <a:tabLst/>
+              <a:defRPr/>
+            </a:pPr>
+            <a:r>
+              <a:rPr kumimoji="0" lang="ru-RU" sz="3400" b="0" i="0" u="none" strike="noStrike" kern="1200" cap="none" spc="0" normalizeH="0" baseline="0" noProof="0" dirty="0" smtClean="0">
+                <a:ln>
+                  <a:noFill/>
+                </a:ln>
+                <a:solidFill>
+                  <a:schemeClr val="tx1"/>
+                </a:solidFill>
+                <a:effectLst/>
+                <a:uLnTx/>
+                <a:uFillTx/>
+                <a:latin typeface="+mj-lt"/>
+                <a:ea typeface="+mj-ea"/>
+                <a:cs typeface="+mj-cs"/>
+              </a:rPr>
+              <a:t>Диаграмм</a:t>
+            </a:r>
+            <a:r>
+              <a:rPr lang="ru-RU" sz="3400" dirty="0" smtClean="0">
+                <a:latin typeface="+mj-lt"/>
+                <a:ea typeface="+mj-ea"/>
+                <a:cs typeface="+mj-cs"/>
+              </a:rPr>
+              <a:t>а </a:t>
+            </a:r>
+            <a:r>
+              <a:rPr kumimoji="0" lang="en-US" sz="3400" b="0" i="0" u="none" strike="noStrike" kern="1200" cap="none" spc="0" normalizeH="0" baseline="0" noProof="0" dirty="0" smtClean="0">
+                <a:ln>
+                  <a:noFill/>
+                </a:ln>
+                <a:solidFill>
+                  <a:schemeClr val="tx1"/>
+                </a:solidFill>
+                <a:effectLst/>
+                <a:uLnTx/>
+                <a:uFillTx/>
+                <a:latin typeface="+mj-lt"/>
+                <a:ea typeface="+mj-ea"/>
+                <a:cs typeface="+mj-cs"/>
+              </a:rPr>
+              <a:t>activity</a:t>
+            </a:r>
+            <a:endParaRPr kumimoji="0" lang="ru-RU" sz="3400" b="0" i="0" u="none" strike="noStrike" kern="1200" cap="none" spc="0" normalizeH="0" baseline="0" noProof="0" dirty="0">
+              <a:ln>
+                <a:noFill/>
+              </a:ln>
+              <a:solidFill>
+                <a:schemeClr val="tx1"/>
+              </a:solidFill>
+              <a:effectLst/>
+              <a:uLnTx/>
+              <a:uFillTx/>
+              <a:latin typeface="+mj-lt"/>
+              <a:ea typeface="+mj-ea"/>
+              <a:cs typeface="+mj-cs"/>
+            </a:endParaRPr>
+          </a:p>
+        </p:txBody>
+      </p:sp>
+      <p:pic>
+        <p:nvPicPr>
+          <p:cNvPr id="1026" name="Picture 2"/>
+          <p:cNvPicPr>
+            <a:picLocks noChangeAspect="1" noChangeArrowheads="1"/>
+          </p:cNvPicPr>
+          <p:nvPr/>
+        </p:nvPicPr>
+        <p:blipFill>
+          <a:blip r:embed="rId3" cstate="print"/>
+          <a:srcRect/>
+          <a:stretch>
+            <a:fillRect/>
+          </a:stretch>
+        </p:blipFill>
+        <p:spPr bwMode="auto">
+          <a:xfrm>
+            <a:off x="5292080" y="2132856"/>
+            <a:ext cx="2695506" cy="4517100"/>
+          </a:xfrm>
+          <a:prstGeom prst="rect">
+            <a:avLst/>
+          </a:prstGeom>
+          <a:noFill/>
+          <a:ln w="9525">
+            <a:noFill/>
+            <a:miter lim="800000"/>
+            <a:headEnd/>
+            <a:tailEnd/>
+          </a:ln>
+        </p:spPr>
+      </p:pic>
     </p:spTree>
   </p:cSld>
   <p:clrMapOvr>
@@ -3349,22 +3833,162 @@
           </a:p>
         </p:txBody>
       </p:sp>
-      <p:sp>
-        <p:nvSpPr>
-          <p:cNvPr id="3" name="Содержимое 2"/>
-          <p:cNvSpPr>
-            <a:spLocks noGrp="1"/>
-          </p:cNvSpPr>
+      <p:pic>
+        <p:nvPicPr>
+          <p:cNvPr id="2050" name="Picture 2"/>
+          <p:cNvPicPr>
+            <a:picLocks noGrp="1" noChangeAspect="1" noChangeArrowheads="1"/>
+          </p:cNvPicPr>
           <p:nvPr>
             <p:ph idx="1"/>
           </p:nvPr>
-        </p:nvSpPr>
-        <p:spPr/>
-        <p:txBody>
-          <a:bodyPr/>
-          <a:lstStyle/>
-          <a:p>
-            <a:endParaRPr lang="ru-RU"/>
+        </p:nvPicPr>
+        <p:blipFill>
+          <a:blip r:embed="rId2" cstate="print"/>
+          <a:srcRect/>
+          <a:stretch>
+            <a:fillRect/>
+          </a:stretch>
+        </p:blipFill>
+        <p:spPr bwMode="auto">
+          <a:xfrm>
+            <a:off x="2843808" y="1340768"/>
+            <a:ext cx="3491070" cy="4176464"/>
+          </a:xfrm>
+          <a:prstGeom prst="rect">
+            <a:avLst/>
+          </a:prstGeom>
+          <a:noFill/>
+          <a:ln w="9525">
+            <a:noFill/>
+            <a:miter lim="800000"/>
+            <a:headEnd/>
+            <a:tailEnd/>
+          </a:ln>
+        </p:spPr>
+      </p:pic>
+      <p:sp>
+        <p:nvSpPr>
+          <p:cNvPr id="5" name="Заголовок 1"/>
+          <p:cNvSpPr txBox="1">
+            <a:spLocks/>
+          </p:cNvSpPr>
+          <p:nvPr/>
+        </p:nvSpPr>
+        <p:spPr>
+          <a:xfrm>
+            <a:off x="2627784" y="5057800"/>
+            <a:ext cx="4032448" cy="1800200"/>
+          </a:xfrm>
+          <a:prstGeom prst="rect">
+            <a:avLst/>
+          </a:prstGeom>
+        </p:spPr>
+        <p:txBody>
+          <a:bodyPr vert="horz" lIns="91440" tIns="45720" rIns="91440" bIns="45720" rtlCol="0" anchor="ctr">
+            <a:normAutofit fontScale="97500"/>
+          </a:bodyPr>
+          <a:lstStyle/>
+          <a:p>
+            <a:pPr marL="0" marR="0" lvl="0" indent="0" algn="ctr" defTabSz="914400" rtl="0" eaLnBrk="1" fontAlgn="auto" latinLnBrk="0" hangingPunct="1">
+              <a:lnSpc>
+                <a:spcPct val="100000"/>
+              </a:lnSpc>
+              <a:spcBef>
+                <a:spcPct val="0"/>
+              </a:spcBef>
+              <a:spcAft>
+                <a:spcPts val="0"/>
+              </a:spcAft>
+              <a:buClrTx/>
+              <a:buSzTx/>
+              <a:buFontTx/>
+              <a:buNone/>
+              <a:tabLst/>
+              <a:defRPr/>
+            </a:pPr>
+            <a:r>
+              <a:rPr kumimoji="0" lang="ru-RU" sz="2200" b="0" i="0" u="none" strike="noStrike" kern="1200" cap="none" spc="0" normalizeH="0" baseline="0" noProof="0" dirty="0" smtClean="0">
+                <a:ln>
+                  <a:noFill/>
+                </a:ln>
+                <a:solidFill>
+                  <a:schemeClr val="tx1"/>
+                </a:solidFill>
+                <a:effectLst/>
+                <a:uLnTx/>
+                <a:uFillTx/>
+                <a:latin typeface="+mj-lt"/>
+                <a:ea typeface="+mj-ea"/>
+                <a:cs typeface="+mj-cs"/>
+              </a:rPr>
+              <a:t>На</a:t>
+            </a:r>
+            <a:r>
+              <a:rPr kumimoji="0" lang="ru-RU" sz="2200" b="0" i="0" u="none" strike="noStrike" kern="1200" cap="none" spc="0" normalizeH="0" noProof="0" dirty="0" smtClean="0">
+                <a:ln>
+                  <a:noFill/>
+                </a:ln>
+                <a:solidFill>
+                  <a:schemeClr val="tx1"/>
+                </a:solidFill>
+                <a:effectLst/>
+                <a:uLnTx/>
+                <a:uFillTx/>
+                <a:latin typeface="+mj-lt"/>
+                <a:ea typeface="+mj-ea"/>
+                <a:cs typeface="+mj-cs"/>
+              </a:rPr>
+              <a:t> данном </a:t>
+            </a:r>
+            <a:r>
+              <a:rPr kumimoji="0" lang="ru-RU" sz="2200" b="0" i="0" u="none" strike="noStrike" kern="1200" cap="none" spc="0" normalizeH="0" noProof="0" dirty="0" err="1" smtClean="0">
+                <a:ln>
+                  <a:noFill/>
+                </a:ln>
+                <a:solidFill>
+                  <a:schemeClr val="tx1"/>
+                </a:solidFill>
+                <a:effectLst/>
+                <a:uLnTx/>
+                <a:uFillTx/>
+                <a:latin typeface="+mj-lt"/>
+                <a:ea typeface="+mj-ea"/>
+                <a:cs typeface="+mj-cs"/>
+              </a:rPr>
+              <a:t>скриншоте</a:t>
+            </a:r>
+            <a:r>
+              <a:rPr kumimoji="0" lang="ru-RU" sz="2200" b="0" i="0" u="none" strike="noStrike" kern="1200" cap="none" spc="0" normalizeH="0" noProof="0" dirty="0" smtClean="0">
+                <a:ln>
+                  <a:noFill/>
+                </a:ln>
+                <a:solidFill>
+                  <a:schemeClr val="tx1"/>
+                </a:solidFill>
+                <a:effectLst/>
+                <a:uLnTx/>
+                <a:uFillTx/>
+                <a:latin typeface="+mj-lt"/>
+                <a:ea typeface="+mj-ea"/>
+                <a:cs typeface="+mj-cs"/>
+              </a:rPr>
+              <a:t> показан код, на котором создается окно ввода логина и пароля.</a:t>
+            </a:r>
+            <a:endParaRPr kumimoji="0" lang="ru-RU" sz="2200" b="0" i="0" u="none" strike="noStrike" kern="1200" cap="none" spc="0" normalizeH="0" baseline="0" noProof="0" dirty="0">
+              <a:ln>
+                <a:noFill/>
+              </a:ln>
+              <a:solidFill>
+                <a:schemeClr val="tx1"/>
+              </a:solidFill>
+              <a:effectLst/>
+              <a:uLnTx/>
+              <a:uFillTx/>
+              <a:latin typeface="+mj-lt"/>
+              <a:ea typeface="+mj-ea"/>
+              <a:cs typeface="+mj-cs"/>
+            </a:endParaRPr>
           </a:p>
         </p:txBody>
       </p:sp>
@@ -3405,12 +4029,18 @@
         </p:nvSpPr>
         <p:spPr/>
         <p:txBody>
-          <a:bodyPr/>
-          <a:lstStyle/>
-          <a:p>
+          <a:bodyPr>
+            <a:normAutofit fontScale="90000"/>
+          </a:bodyPr>
+          <a:lstStyle/>
+          <a:p>
+            <a:r>
+              <a:rPr lang="ru-RU" dirty="0" err="1" smtClean="0"/>
+              <a:t>Скрины</a:t>
+            </a:r>
             <a:r>
               <a:rPr lang="ru-RU" dirty="0" smtClean="0"/>
-              <a:t>Дизайн</a:t>
+              <a:t> с значимыми частями кода и их объяснение</a:t>
             </a:r>
             <a:endParaRPr lang="ru-RU" dirty="0"/>
           </a:p>
@@ -3426,9 +4056,16 @@
             <p:ph idx="1"/>
           </p:nvPr>
         </p:nvSpPr>
-        <p:spPr/>
-        <p:txBody>
-          <a:bodyPr/>
+        <p:spPr>
+          <a:xfrm>
+            <a:off x="827584" y="4797152"/>
+            <a:ext cx="7715200" cy="1329011"/>
+          </a:xfrm>
+        </p:spPr>
+        <p:txBody>
+          <a:bodyPr>
+            <a:normAutofit fontScale="92500"/>
+          </a:bodyPr>
           <a:lstStyle/>
           <a:p>
             <a:pPr>
@@ -3436,20 +4073,48 @@
             </a:pPr>
             <a:r>
               <a:rPr lang="ru-RU" dirty="0" smtClean="0"/>
-              <a:t>	Дизайн создан с помощью библиотеки </a:t>
-            </a:r>
-            <a:r>
-              <a:rPr lang="en-US" dirty="0" smtClean="0"/>
-              <a:t>Python, </a:t>
-            </a:r>
-            <a:r>
-              <a:rPr lang="en-US" dirty="0" err="1" smtClean="0"/>
-              <a:t>Tkinter</a:t>
+              <a:t>	</a:t>
+            </a:r>
+            <a:r>
+              <a:rPr lang="ru-RU" dirty="0" smtClean="0"/>
+              <a:t>В данной части кода можно выбирать какая группа будет выводится при вводе пароля </a:t>
             </a:r>
             <a:endParaRPr lang="ru-RU" dirty="0"/>
           </a:p>
         </p:txBody>
       </p:sp>
+      <p:pic>
+        <p:nvPicPr>
+          <p:cNvPr id="3074" name="Picture 2"/>
+          <p:cNvPicPr>
+            <a:picLocks noChangeAspect="1" noChangeArrowheads="1"/>
+          </p:cNvPicPr>
+          <p:nvPr/>
+        </p:nvPicPr>
+        <p:blipFill>
+          <a:blip r:embed="rId2" cstate="print"/>
+          <a:srcRect/>
+          <a:stretch>
+            <a:fillRect/>
+          </a:stretch>
+        </p:blipFill>
+        <p:spPr bwMode="auto">
+          <a:xfrm>
+            <a:off x="1187624" y="1700808"/>
+            <a:ext cx="6686550" cy="3019425"/>
+          </a:xfrm>
+          <a:prstGeom prst="rect">
+            <a:avLst/>
+          </a:prstGeom>
+          <a:noFill/>
+          <a:ln w="9525">
+            <a:noFill/>
+            <a:miter lim="800000"/>
+            <a:headEnd/>
+            <a:tailEnd/>
+          </a:ln>
+        </p:spPr>
+      </p:pic>
     </p:spTree>
   </p:cSld>
   <p:clrMapOvr>
@@ -3487,12 +4152,18 @@
         </p:nvSpPr>
         <p:spPr/>
         <p:txBody>
-          <a:bodyPr/>
-          <a:lstStyle/>
-          <a:p>
+          <a:bodyPr>
+            <a:normAutofit fontScale="90000"/>
+          </a:bodyPr>
+          <a:lstStyle/>
+          <a:p>
+            <a:r>
+              <a:rPr lang="ru-RU" dirty="0" err="1" smtClean="0"/>
+              <a:t>Скрины</a:t>
+            </a:r>
             <a:r>
               <a:rPr lang="ru-RU" dirty="0" smtClean="0"/>
-              <a:t>Вывод по работе</a:t>
+              <a:t> с значимыми частями кода и их объяснение</a:t>
             </a:r>
             <a:endParaRPr lang="ru-RU" dirty="0"/>
           </a:p>
@@ -3508,22 +4179,59 @@
             <p:ph idx="1"/>
           </p:nvPr>
         </p:nvSpPr>
-        <p:spPr/>
-        <p:txBody>
-          <a:bodyPr/>
-          <a:lstStyle/>
-          <a:p>
-            <a:pPr>
+        <p:spPr>
+          <a:xfrm>
+            <a:off x="323528" y="5517232"/>
+            <a:ext cx="8363272" cy="968971"/>
+          </a:xfrm>
+        </p:spPr>
+        <p:txBody>
+          <a:bodyPr/>
+          <a:lstStyle/>
+          <a:p>
+            <a:pPr algn="ctr">
               <a:buNone/>
             </a:pPr>
             <a:r>
               <a:rPr lang="ru-RU" dirty="0" smtClean="0"/>
-              <a:t>	</a:t>
+              <a:t>	Код с базой данных студентов в группах</a:t>
             </a:r>
             <a:endParaRPr lang="ru-RU" dirty="0"/>
           </a:p>
         </p:txBody>
       </p:sp>
+      <p:pic>
+        <p:nvPicPr>
+          <p:cNvPr id="4098" name="Picture 2"/>
+          <p:cNvPicPr>
+            <a:picLocks noChangeAspect="1" noChangeArrowheads="1"/>
+          </p:cNvPicPr>
+          <p:nvPr/>
+        </p:nvPicPr>
+        <p:blipFill>
+          <a:blip r:embed="rId2" cstate="print"/>
+          <a:srcRect/>
+          <a:stretch>
+            <a:fillRect/>
+          </a:stretch>
+        </p:blipFill>
+        <p:spPr bwMode="auto">
+          <a:xfrm>
+            <a:off x="2123728" y="1484784"/>
+            <a:ext cx="5112568" cy="4048559"/>
+          </a:xfrm>
+          <a:prstGeom prst="rect">
+            <a:avLst/>
+          </a:prstGeom>
+          <a:noFill/>
+          <a:ln w="9525">
+            <a:noFill/>
+            <a:miter lim="800000"/>
+            <a:headEnd/>
+            <a:tailEnd/>
+          </a:ln>
+        </p:spPr>
+      </p:pic>
     </p:spTree>
   </p:cSld>
   <p:clrMapOvr>
@@ -3568,19 +4276,128 @@
           <a:p>
             <a:r>
               <a:rPr lang="ru-RU" dirty="0" err="1" smtClean="0"/>
-              <a:t>Мем</a:t>
+              <a:t>Скрины</a:t>
             </a:r>
             <a:r>
               <a:rPr lang="ru-RU" dirty="0" smtClean="0"/>
-              <a:t> ну это надо для лучшей </a:t>
-            </a:r>
+              <a:t> с значимыми частями кода и их объяснение</a:t>
+            </a:r>
+            <a:endParaRPr lang="ru-RU" dirty="0"/>
+          </a:p>
+        </p:txBody>
+      </p:sp>
+      <p:sp>
+        <p:nvSpPr>
+          <p:cNvPr id="3" name="Содержимое 2"/>
+          <p:cNvSpPr>
+            <a:spLocks noGrp="1"/>
+          </p:cNvSpPr>
+          <p:nvPr>
+            <p:ph idx="1"/>
+          </p:nvPr>
+        </p:nvSpPr>
+        <p:spPr>
+          <a:xfrm>
+            <a:off x="457200" y="5013176"/>
+            <a:ext cx="8229600" cy="1112987"/>
+          </a:xfrm>
+        </p:spPr>
+        <p:txBody>
+          <a:bodyPr/>
+          <a:lstStyle/>
+          <a:p>
+            <a:pPr algn="ctr">
+              <a:buNone/>
+            </a:pPr>
+            <a:r>
+              <a:rPr lang="ru-RU" dirty="0" smtClean="0"/>
+              <a:t>	Код с базой данных паролей</a:t>
+            </a:r>
+            <a:endParaRPr lang="ru-RU" dirty="0"/>
+          </a:p>
+        </p:txBody>
+      </p:sp>
+      <p:pic>
+        <p:nvPicPr>
+          <p:cNvPr id="5122" name="Picture 2"/>
+          <p:cNvPicPr>
+            <a:picLocks noChangeAspect="1" noChangeArrowheads="1"/>
+          </p:cNvPicPr>
+          <p:nvPr/>
+        </p:nvPicPr>
+        <p:blipFill>
+          <a:blip r:embed="rId2" cstate="print"/>
+          <a:srcRect/>
+          <a:stretch>
+            <a:fillRect/>
+          </a:stretch>
+        </p:blipFill>
+        <p:spPr bwMode="auto">
+          <a:xfrm>
+            <a:off x="1619672" y="1484784"/>
+            <a:ext cx="5688632" cy="3506236"/>
+          </a:xfrm>
+          <a:prstGeom prst="rect">
+            <a:avLst/>
+          </a:prstGeom>
+          <a:noFill/>
+          <a:ln w="9525">
+            <a:noFill/>
+            <a:miter lim="800000"/>
+            <a:headEnd/>
+            <a:tailEnd/>
+          </a:ln>
+        </p:spPr>
+      </p:pic>
+    </p:spTree>
+  </p:cSld>
+  <p:clrMapOvr>
+    <a:masterClrMapping/>
+  </p:clrMapOvr>
+</p:sld>
+</file>
+
+<file path=ppt/slides/slide8.xml><?xml version="1.0" encoding="utf-8"?>
+<p:sld xmlns:a="http://schemas.openxmlformats.org/drawingml/2006/main" xmlns:r="http://schemas.openxmlformats.org/officeDocument/2006/relationships" xmlns:p="http://schemas.openxmlformats.org/presentationml/2006/main">
+  <p:cSld>
+    <p:spTree>
+      <p:nvGrpSpPr>
+        <p:cNvPr id="1" name=""/>
+        <p:cNvGrpSpPr/>
+        <p:nvPr/>
+      </p:nvGrpSpPr>
+      <p:grpSpPr>
+        <a:xfrm>
+          <a:off x="0" y="0"/>
+          <a:ext cx="0" cy="0"/>
+          <a:chOff x="0" y="0"/>
+          <a:chExt cx="0" cy="0"/>
+        </a:xfrm>
+      </p:grpSpPr>
+      <p:sp>
+        <p:nvSpPr>
+          <p:cNvPr id="2" name="Заголовок 1"/>
+          <p:cNvSpPr>
+            <a:spLocks noGrp="1"/>
+          </p:cNvSpPr>
+          <p:nvPr>
+            <p:ph type="title"/>
+          </p:nvPr>
+        </p:nvSpPr>
+        <p:spPr/>
+        <p:txBody>
+          <a:bodyPr>
+            <a:normAutofit fontScale="90000"/>
+          </a:bodyPr>
+          <a:lstStyle/>
+          <a:p>
             <a:r>
               <a:rPr lang="ru-RU" dirty="0" err="1" smtClean="0"/>
-              <a:t>оценочки</a:t>
+              <a:t>Скрины</a:t>
             </a:r>
             <a:r>
               <a:rPr lang="ru-RU" dirty="0" smtClean="0"/>
-              <a:t> </a:t>
+              <a:t> с значимыми частями кода и их объяснение</a:t>
             </a:r>
             <a:endParaRPr lang="ru-RU" dirty="0"/>
           </a:p>
@@ -3596,6 +4413,117 @@
             <p:ph idx="1"/>
           </p:nvPr>
         </p:nvSpPr>
+        <p:spPr>
+          <a:xfrm>
+            <a:off x="457200" y="5085184"/>
+            <a:ext cx="8229600" cy="1040979"/>
+          </a:xfrm>
+        </p:spPr>
+        <p:txBody>
+          <a:bodyPr/>
+          <a:lstStyle/>
+          <a:p>
+            <a:pPr algn="ctr">
+              <a:buNone/>
+            </a:pPr>
+            <a:r>
+              <a:rPr lang="ru-RU" dirty="0" smtClean="0"/>
+              <a:t>	Код с проверкой пароля в базе данных </a:t>
+            </a:r>
+            <a:endParaRPr lang="ru-RU" dirty="0"/>
+          </a:p>
+        </p:txBody>
+      </p:sp>
+      <p:pic>
+        <p:nvPicPr>
+          <p:cNvPr id="6146" name="Picture 2"/>
+          <p:cNvPicPr>
+            <a:picLocks noChangeAspect="1" noChangeArrowheads="1"/>
+          </p:cNvPicPr>
+          <p:nvPr/>
+        </p:nvPicPr>
+        <p:blipFill>
+          <a:blip r:embed="rId2" cstate="print"/>
+          <a:srcRect/>
+          <a:stretch>
+            <a:fillRect/>
+          </a:stretch>
+        </p:blipFill>
+        <p:spPr bwMode="auto">
+          <a:xfrm>
+            <a:off x="2195736" y="1412776"/>
+            <a:ext cx="4608512" cy="3742061"/>
+          </a:xfrm>
+          <a:prstGeom prst="rect">
+            <a:avLst/>
+          </a:prstGeom>
+          <a:noFill/>
+          <a:ln w="9525">
+            <a:noFill/>
+            <a:miter lim="800000"/>
+            <a:headEnd/>
+            <a:tailEnd/>
+          </a:ln>
+        </p:spPr>
+      </p:pic>
+    </p:spTree>
+  </p:cSld>
+  <p:clrMapOvr>
+    <a:masterClrMapping/>
+  </p:clrMapOvr>
+</p:sld>
+</file>
+
+<file path=ppt/slides/slide9.xml><?xml version="1.0" encoding="utf-8"?>
+<p:sld xmlns:a="http://schemas.openxmlformats.org/drawingml/2006/main" xmlns:r="http://schemas.openxmlformats.org/officeDocument/2006/relationships" xmlns:p="http://schemas.openxmlformats.org/presentationml/2006/main">
+  <p:cSld>
+    <p:spTree>
+      <p:nvGrpSpPr>
+        <p:cNvPr id="1" name=""/>
+        <p:cNvGrpSpPr/>
+        <p:nvPr/>
+      </p:nvGrpSpPr>
+      <p:grpSpPr>
+        <a:xfrm>
+          <a:off x="0" y="0"/>
+          <a:ext cx="0" cy="0"/>
+          <a:chOff x="0" y="0"/>
+          <a:chExt cx="0" cy="0"/>
+        </a:xfrm>
+      </p:grpSpPr>
+      <p:sp>
+        <p:nvSpPr>
+          <p:cNvPr id="2" name="Заголовок 1"/>
+          <p:cNvSpPr>
+            <a:spLocks noGrp="1"/>
+          </p:cNvSpPr>
+          <p:nvPr>
+            <p:ph type="title"/>
+          </p:nvPr>
+        </p:nvSpPr>
+        <p:spPr/>
+        <p:txBody>
+          <a:bodyPr/>
+          <a:lstStyle/>
+          <a:p>
+            <a:r>
+              <a:rPr lang="ru-RU" dirty="0" smtClean="0"/>
+              <a:t>Дизайн</a:t>
+            </a:r>
+            <a:endParaRPr lang="ru-RU" dirty="0"/>
+          </a:p>
+        </p:txBody>
+      </p:sp>
+      <p:sp>
+        <p:nvSpPr>
+          <p:cNvPr id="3" name="Содержимое 2"/>
+          <p:cNvSpPr>
+            <a:spLocks noGrp="1"/>
+          </p:cNvSpPr>
+          <p:nvPr>
+            <p:ph idx="1"/>
+          </p:nvPr>
+        </p:nvSpPr>
         <p:spPr/>
         <p:txBody>
           <a:bodyPr/>
@@ -3606,29 +4534,54 @@
             </a:pPr>
             <a:r>
               <a:rPr lang="ru-RU" dirty="0" smtClean="0"/>
-              <a:t>	Жизнь без </a:t>
-            </a:r>
-            <a:r>
-              <a:rPr lang="ru-RU" dirty="0" err="1" smtClean="0"/>
-              <a:t>мемов</a:t>
+              <a:t>	Дизайн создан с помощью библиотеки </a:t>
+            </a:r>
+            <a:r>
+              <a:rPr lang="en-US" dirty="0" smtClean="0"/>
+              <a:t>Python</a:t>
             </a:r>
             <a:r>
               <a:rPr lang="ru-RU" dirty="0" smtClean="0"/>
-              <a:t> это </a:t>
-            </a:r>
-            <a:r>
-              <a:rPr lang="ru-RU" smtClean="0"/>
-              <a:t>не жизнь </a:t>
-            </a:r>
-          </a:p>
-          <a:p>
-            <a:pPr>
-              <a:buNone/>
-            </a:pPr>
-            <a:endParaRPr lang="ru-RU"/>
-          </a:p>
-        </p:txBody>
-      </p:sp>
+              <a:t> – </a:t>
+            </a:r>
+            <a:r>
+              <a:rPr lang="en-US" dirty="0" err="1" smtClean="0"/>
+              <a:t>Tkinter</a:t>
+            </a:r>
+            <a:r>
+              <a:rPr lang="ru-RU" dirty="0" smtClean="0"/>
+              <a:t>.</a:t>
+            </a:r>
+            <a:endParaRPr lang="ru-RU" dirty="0"/>
+          </a:p>
+        </p:txBody>
+      </p:sp>
+      <p:pic>
+        <p:nvPicPr>
+          <p:cNvPr id="9218" name="Picture 2" descr="Picture background"/>
+          <p:cNvPicPr>
+            <a:picLocks noChangeAspect="1" noChangeArrowheads="1"/>
+          </p:cNvPicPr>
+          <p:nvPr/>
+        </p:nvPicPr>
+        <p:blipFill>
+          <a:blip r:embed="rId2" cstate="print"/>
+          <a:srcRect/>
+          <a:stretch>
+            <a:fillRect/>
+          </a:stretch>
+        </p:blipFill>
+        <p:spPr bwMode="auto">
+          <a:xfrm>
+            <a:off x="4067944" y="2348880"/>
+            <a:ext cx="4139688" cy="3987824"/>
+          </a:xfrm>
+          <a:prstGeom prst="rect">
+            <a:avLst/>
+          </a:prstGeom>
+          <a:noFill/>
+        </p:spPr>
+      </p:pic>
     </p:spTree>
   </p:cSld>
   <p:clrMapOvr>

--- a/уп.pptx
+++ b/уп.pptx
@@ -15,7 +15,7 @@
     <p:sldId id="266" r:id="rId9"/>
     <p:sldId id="260" r:id="rId10"/>
     <p:sldId id="261" r:id="rId11"/>
-    <p:sldId id="262" r:id="rId12"/>
+    <p:sldId id="267" r:id="rId12"/>
   </p:sldIdLst>
   <p:sldSz cx="9144000" cy="6858000" type="screen4x3"/>
   <p:notesSz cx="6858000" cy="9144000"/>
@@ -299,7 +299,7 @@
             <a:fld id="{5B106E36-FD25-4E2D-B0AA-010F637433A0}" type="datetimeFigureOut">
               <a:rPr lang="ru-RU" smtClean="0"/>
               <a:pPr/>
-              <a:t>16.06.2025</a:t>
+              <a:t>17.06.2025</a:t>
             </a:fld>
             <a:endParaRPr lang="ru-RU"/>
           </a:p>
@@ -466,7 +466,7 @@
             <a:fld id="{5B106E36-FD25-4E2D-B0AA-010F637433A0}" type="datetimeFigureOut">
               <a:rPr lang="ru-RU" smtClean="0"/>
               <a:pPr/>
-              <a:t>16.06.2025</a:t>
+              <a:t>17.06.2025</a:t>
             </a:fld>
             <a:endParaRPr lang="ru-RU"/>
           </a:p>
@@ -643,7 +643,7 @@
             <a:fld id="{5B106E36-FD25-4E2D-B0AA-010F637433A0}" type="datetimeFigureOut">
               <a:rPr lang="ru-RU" smtClean="0"/>
               <a:pPr/>
-              <a:t>16.06.2025</a:t>
+              <a:t>17.06.2025</a:t>
             </a:fld>
             <a:endParaRPr lang="ru-RU"/>
           </a:p>
@@ -810,7 +810,7 @@
             <a:fld id="{5B106E36-FD25-4E2D-B0AA-010F637433A0}" type="datetimeFigureOut">
               <a:rPr lang="ru-RU" smtClean="0"/>
               <a:pPr/>
-              <a:t>16.06.2025</a:t>
+              <a:t>17.06.2025</a:t>
             </a:fld>
             <a:endParaRPr lang="ru-RU"/>
           </a:p>
@@ -1053,7 +1053,7 @@
             <a:fld id="{5B106E36-FD25-4E2D-B0AA-010F637433A0}" type="datetimeFigureOut">
               <a:rPr lang="ru-RU" smtClean="0"/>
               <a:pPr/>
-              <a:t>16.06.2025</a:t>
+              <a:t>17.06.2025</a:t>
             </a:fld>
             <a:endParaRPr lang="ru-RU"/>
           </a:p>
@@ -1338,7 +1338,7 @@
             <a:fld id="{5B106E36-FD25-4E2D-B0AA-010F637433A0}" type="datetimeFigureOut">
               <a:rPr lang="ru-RU" smtClean="0"/>
               <a:pPr/>
-              <a:t>16.06.2025</a:t>
+              <a:t>17.06.2025</a:t>
             </a:fld>
             <a:endParaRPr lang="ru-RU"/>
           </a:p>
@@ -1757,7 +1757,7 @@
             <a:fld id="{5B106E36-FD25-4E2D-B0AA-010F637433A0}" type="datetimeFigureOut">
               <a:rPr lang="ru-RU" smtClean="0"/>
               <a:pPr/>
-              <a:t>16.06.2025</a:t>
+              <a:t>17.06.2025</a:t>
             </a:fld>
             <a:endParaRPr lang="ru-RU"/>
           </a:p>
@@ -1872,7 +1872,7 @@
             <a:fld id="{5B106E36-FD25-4E2D-B0AA-010F637433A0}" type="datetimeFigureOut">
               <a:rPr lang="ru-RU" smtClean="0"/>
               <a:pPr/>
-              <a:t>16.06.2025</a:t>
+              <a:t>17.06.2025</a:t>
             </a:fld>
             <a:endParaRPr lang="ru-RU"/>
           </a:p>
@@ -1964,7 +1964,7 @@
             <a:fld id="{5B106E36-FD25-4E2D-B0AA-010F637433A0}" type="datetimeFigureOut">
               <a:rPr lang="ru-RU" smtClean="0"/>
               <a:pPr/>
-              <a:t>16.06.2025</a:t>
+              <a:t>17.06.2025</a:t>
             </a:fld>
             <a:endParaRPr lang="ru-RU"/>
           </a:p>
@@ -2238,7 +2238,7 @@
             <a:fld id="{5B106E36-FD25-4E2D-B0AA-010F637433A0}" type="datetimeFigureOut">
               <a:rPr lang="ru-RU" smtClean="0"/>
               <a:pPr/>
-              <a:t>16.06.2025</a:t>
+              <a:t>17.06.2025</a:t>
             </a:fld>
             <a:endParaRPr lang="ru-RU"/>
           </a:p>
@@ -2488,7 +2488,7 @@
             <a:fld id="{5B106E36-FD25-4E2D-B0AA-010F637433A0}" type="datetimeFigureOut">
               <a:rPr lang="ru-RU" smtClean="0"/>
               <a:pPr/>
-              <a:t>16.06.2025</a:t>
+              <a:t>17.06.2025</a:t>
             </a:fld>
             <a:endParaRPr lang="ru-RU"/>
           </a:p>
@@ -2698,7 +2698,7 @@
             <a:fld id="{5B106E36-FD25-4E2D-B0AA-010F637433A0}" type="datetimeFigureOut">
               <a:rPr lang="ru-RU" smtClean="0"/>
               <a:pPr/>
-              <a:t>16.06.2025</a:t>
+              <a:t>17.06.2025</a:t>
             </a:fld>
             <a:endParaRPr lang="ru-RU"/>
           </a:p>
@@ -3217,11 +3217,7 @@
             </a:pPr>
             <a:r>
               <a:rPr lang="ru-RU" dirty="0" smtClean="0"/>
-              <a:t>	</a:t>
-            </a:r>
-            <a:r>
-              <a:rPr lang="ru-RU" dirty="0" smtClean="0"/>
-              <a:t>Я создал приложение для отслеживание посещаемости студентов, который может просматривать как и зав. отделения так и староста.</a:t>
+              <a:t>	Я создал приложение для отслеживание посещаемости студентов, который может просматривать как и зав. отделения так и староста.</a:t>
             </a:r>
             <a:endParaRPr lang="ru-RU" dirty="0"/>
           </a:p>
@@ -3278,86 +3274,38 @@
           <a:chExt cx="0" cy="0"/>
         </a:xfrm>
       </p:grpSpPr>
-      <p:sp>
-        <p:nvSpPr>
-          <p:cNvPr id="2" name="Заголовок 1"/>
-          <p:cNvSpPr>
-            <a:spLocks noGrp="1"/>
-          </p:cNvSpPr>
-          <p:nvPr>
-            <p:ph type="title"/>
-          </p:nvPr>
-        </p:nvSpPr>
-        <p:spPr/>
-        <p:txBody>
-          <a:bodyPr>
-            <a:normAutofit fontScale="90000"/>
-          </a:bodyPr>
-          <a:lstStyle/>
-          <a:p>
-            <a:r>
-              <a:rPr lang="ru-RU" dirty="0" err="1" smtClean="0"/>
-              <a:t>Мем</a:t>
-            </a:r>
-            <a:r>
-              <a:rPr lang="ru-RU" dirty="0" smtClean="0"/>
-              <a:t> ну это надо для лучшей </a:t>
-            </a:r>
-            <a:r>
-              <a:rPr lang="ru-RU" dirty="0" err="1" smtClean="0"/>
-              <a:t>оценочки</a:t>
-            </a:r>
-            <a:r>
-              <a:rPr lang="ru-RU" dirty="0" smtClean="0"/>
-              <a:t> </a:t>
-            </a:r>
-            <a:endParaRPr lang="ru-RU" dirty="0"/>
-          </a:p>
-        </p:txBody>
-      </p:sp>
-      <p:sp>
-        <p:nvSpPr>
-          <p:cNvPr id="3" name="Содержимое 2"/>
-          <p:cNvSpPr>
-            <a:spLocks noGrp="1"/>
-          </p:cNvSpPr>
-          <p:nvPr>
-            <p:ph idx="1"/>
-          </p:nvPr>
-        </p:nvSpPr>
-        <p:spPr/>
-        <p:txBody>
-          <a:bodyPr/>
-          <a:lstStyle/>
-          <a:p>
-            <a:pPr>
-              <a:buNone/>
-            </a:pPr>
-            <a:r>
-              <a:rPr lang="ru-RU" dirty="0" smtClean="0"/>
-              <a:t>	Жизнь без </a:t>
-            </a:r>
-            <a:r>
-              <a:rPr lang="ru-RU" dirty="0" err="1" smtClean="0"/>
-              <a:t>мемов</a:t>
-            </a:r>
-            <a:r>
-              <a:rPr lang="ru-RU" dirty="0" smtClean="0"/>
-              <a:t> это </a:t>
-            </a:r>
-            <a:r>
-              <a:rPr lang="ru-RU" smtClean="0"/>
-              <a:t>не жизнь </a:t>
-            </a:r>
-          </a:p>
-          <a:p>
-            <a:pPr>
-              <a:buNone/>
-            </a:pPr>
-            <a:endParaRPr lang="ru-RU"/>
-          </a:p>
-        </p:txBody>
-      </p:sp>
+      <p:pic>
+        <p:nvPicPr>
+          <p:cNvPr id="1026" name="Picture 2"/>
+          <p:cNvPicPr>
+            <a:picLocks noChangeAspect="1" noChangeArrowheads="1"/>
+          </p:cNvPicPr>
+          <p:nvPr/>
+        </p:nvPicPr>
+        <p:blipFill>
+          <a:blip r:embed="rId2" cstate="print"/>
+          <a:srcRect/>
+          <a:stretch>
+            <a:fillRect/>
+          </a:stretch>
+        </p:blipFill>
+        <p:spPr bwMode="auto">
+          <a:xfrm>
+            <a:off x="1547664" y="116632"/>
+            <a:ext cx="6241504" cy="6241504"/>
+          </a:xfrm>
+          <a:prstGeom prst="rect">
+            <a:avLst/>
+          </a:prstGeom>
+          <a:noFill/>
+          <a:ln w="9525">
+            <a:noFill/>
+            <a:miter lim="800000"/>
+            <a:headEnd/>
+            <a:tailEnd/>
+          </a:ln>
+        </p:spPr>
+      </p:pic>
     </p:spTree>
   </p:cSld>
   <p:clrMapOvr>
@@ -4073,11 +4021,7 @@
             </a:pPr>
             <a:r>
               <a:rPr lang="ru-RU" dirty="0" smtClean="0"/>
-              <a:t>	</a:t>
-            </a:r>
-            <a:r>
-              <a:rPr lang="ru-RU" dirty="0" smtClean="0"/>
-              <a:t>В данной части кода можно выбирать какая группа будет выводится при вводе пароля </a:t>
+              <a:t>	В данной части кода можно выбирать какая группа будет выводится при вводе пароля </a:t>
             </a:r>
             <a:endParaRPr lang="ru-RU" dirty="0"/>
           </a:p>
